--- a/in_class_slides/geog4300_W010-1 Writing about numbers Correlation ANOVA.pptx
+++ b/in_class_slides/geog4300_W010-1 Writing about numbers Correlation ANOVA.pptx
@@ -10,10 +10,10 @@
   <p:sldIdLst>
     <p:sldId id="256" r:id="rId2"/>
     <p:sldId id="295" r:id="rId3"/>
-    <p:sldId id="297" r:id="rId4"/>
-    <p:sldId id="299" r:id="rId5"/>
-    <p:sldId id="298" r:id="rId6"/>
-    <p:sldId id="300" r:id="rId7"/>
+    <p:sldId id="300" r:id="rId4"/>
+    <p:sldId id="297" r:id="rId5"/>
+    <p:sldId id="299" r:id="rId6"/>
+    <p:sldId id="298" r:id="rId7"/>
     <p:sldId id="301" r:id="rId8"/>
     <p:sldId id="302" r:id="rId9"/>
     <p:sldId id="303" r:id="rId10"/>
@@ -214,7 +214,7 @@
           <a:p>
             <a:fld id="{F1C23026-85D4-48E8-9219-18000F688023}" type="datetimeFigureOut">
               <a:rPr lang="en-US" smtClean="0"/>
-              <a:t>10/19/2022</a:t>
+              <a:t>10/25/2022</a:t>
             </a:fld>
             <a:endParaRPr lang="en-US"/>
           </a:p>
@@ -2391,7 +2391,7 @@
     </p:spTree>
     <p:extLst>
       <p:ext uri="{BB962C8B-B14F-4D97-AF65-F5344CB8AC3E}">
-        <p14:creationId xmlns:p14="http://schemas.microsoft.com/office/powerpoint/2010/main" val="1714236406"/>
+        <p14:creationId xmlns:p14="http://schemas.microsoft.com/office/powerpoint/2010/main" val="3106998329"/>
       </p:ext>
     </p:extLst>
   </p:cSld>
@@ -2583,7 +2583,7 @@
     </p:spTree>
     <p:extLst>
       <p:ext uri="{BB962C8B-B14F-4D97-AF65-F5344CB8AC3E}">
-        <p14:creationId xmlns:p14="http://schemas.microsoft.com/office/powerpoint/2010/main" val="136805850"/>
+        <p14:creationId xmlns:p14="http://schemas.microsoft.com/office/powerpoint/2010/main" val="1714236406"/>
       </p:ext>
     </p:extLst>
   </p:cSld>
@@ -2775,7 +2775,7 @@
     </p:spTree>
     <p:extLst>
       <p:ext uri="{BB962C8B-B14F-4D97-AF65-F5344CB8AC3E}">
-        <p14:creationId xmlns:p14="http://schemas.microsoft.com/office/powerpoint/2010/main" val="965823658"/>
+        <p14:creationId xmlns:p14="http://schemas.microsoft.com/office/powerpoint/2010/main" val="136805850"/>
       </p:ext>
     </p:extLst>
   </p:cSld>
@@ -2967,7 +2967,7 @@
     </p:spTree>
     <p:extLst>
       <p:ext uri="{BB962C8B-B14F-4D97-AF65-F5344CB8AC3E}">
-        <p14:creationId xmlns:p14="http://schemas.microsoft.com/office/powerpoint/2010/main" val="3106998329"/>
+        <p14:creationId xmlns:p14="http://schemas.microsoft.com/office/powerpoint/2010/main" val="965823658"/>
       </p:ext>
     </p:extLst>
   </p:cSld>
@@ -3930,7 +3930,7 @@
           <a:p>
             <a:fld id="{93C8B963-0F36-48FC-991E-AA63861DA924}" type="datetimeFigureOut">
               <a:rPr lang="en-US" smtClean="0"/>
-              <a:t>10/19/2022</a:t>
+              <a:t>10/25/2022</a:t>
             </a:fld>
             <a:endParaRPr lang="en-US"/>
           </a:p>
@@ -4228,7 +4228,7 @@
           <a:p>
             <a:fld id="{93C8B963-0F36-48FC-991E-AA63861DA924}" type="datetimeFigureOut">
               <a:rPr lang="en-US" smtClean="0"/>
-              <a:t>10/19/2022</a:t>
+              <a:t>10/25/2022</a:t>
             </a:fld>
             <a:endParaRPr lang="en-US"/>
           </a:p>
@@ -4420,7 +4420,7 @@
           <a:p>
             <a:fld id="{93C8B963-0F36-48FC-991E-AA63861DA924}" type="datetimeFigureOut">
               <a:rPr lang="en-US" smtClean="0"/>
-              <a:t>10/19/2022</a:t>
+              <a:t>10/25/2022</a:t>
             </a:fld>
             <a:endParaRPr lang="en-US"/>
           </a:p>
@@ -4681,7 +4681,7 @@
           <a:p>
             <a:fld id="{93C8B963-0F36-48FC-991E-AA63861DA924}" type="datetimeFigureOut">
               <a:rPr lang="en-US" smtClean="0"/>
-              <a:t>10/19/2022</a:t>
+              <a:t>10/25/2022</a:t>
             </a:fld>
             <a:endParaRPr lang="en-US"/>
           </a:p>
@@ -5105,7 +5105,7 @@
           <a:p>
             <a:fld id="{93C8B963-0F36-48FC-991E-AA63861DA924}" type="datetimeFigureOut">
               <a:rPr lang="en-US" smtClean="0"/>
-              <a:t>10/19/2022</a:t>
+              <a:t>10/25/2022</a:t>
             </a:fld>
             <a:endParaRPr lang="en-US"/>
           </a:p>
@@ -5642,7 +5642,7 @@
           <a:p>
             <a:fld id="{93C8B963-0F36-48FC-991E-AA63861DA924}" type="datetimeFigureOut">
               <a:rPr lang="en-US" smtClean="0"/>
-              <a:t>10/19/2022</a:t>
+              <a:t>10/25/2022</a:t>
             </a:fld>
             <a:endParaRPr lang="en-US"/>
           </a:p>
@@ -6506,7 +6506,7 @@
           <a:p>
             <a:fld id="{93C8B963-0F36-48FC-991E-AA63861DA924}" type="datetimeFigureOut">
               <a:rPr lang="en-US" smtClean="0"/>
-              <a:t>10/19/2022</a:t>
+              <a:t>10/25/2022</a:t>
             </a:fld>
             <a:endParaRPr lang="en-US"/>
           </a:p>
@@ -6676,7 +6676,7 @@
           <a:p>
             <a:fld id="{93C8B963-0F36-48FC-991E-AA63861DA924}" type="datetimeFigureOut">
               <a:rPr lang="en-US" smtClean="0"/>
-              <a:t>10/19/2022</a:t>
+              <a:t>10/25/2022</a:t>
             </a:fld>
             <a:endParaRPr lang="en-US"/>
           </a:p>
@@ -6860,7 +6860,7 @@
           <a:p>
             <a:fld id="{93C8B963-0F36-48FC-991E-AA63861DA924}" type="datetimeFigureOut">
               <a:rPr lang="en-US" smtClean="0"/>
-              <a:t>10/19/2022</a:t>
+              <a:t>10/25/2022</a:t>
             </a:fld>
             <a:endParaRPr lang="en-US"/>
           </a:p>
@@ -7030,7 +7030,7 @@
           <a:p>
             <a:fld id="{93C8B963-0F36-48FC-991E-AA63861DA924}" type="datetimeFigureOut">
               <a:rPr lang="en-US" smtClean="0"/>
-              <a:t>10/19/2022</a:t>
+              <a:t>10/25/2022</a:t>
             </a:fld>
             <a:endParaRPr lang="en-US"/>
           </a:p>
@@ -7274,7 +7274,7 @@
           <a:p>
             <a:fld id="{93C8B963-0F36-48FC-991E-AA63861DA924}" type="datetimeFigureOut">
               <a:rPr lang="en-US" smtClean="0"/>
-              <a:t>10/19/2022</a:t>
+              <a:t>10/25/2022</a:t>
             </a:fld>
             <a:endParaRPr lang="en-US"/>
           </a:p>
@@ -7510,7 +7510,7 @@
           <a:p>
             <a:fld id="{93C8B963-0F36-48FC-991E-AA63861DA924}" type="datetimeFigureOut">
               <a:rPr lang="en-US" smtClean="0"/>
-              <a:t>10/19/2022</a:t>
+              <a:t>10/25/2022</a:t>
             </a:fld>
             <a:endParaRPr lang="en-US"/>
           </a:p>
@@ -7976,7 +7976,7 @@
           <a:p>
             <a:fld id="{93C8B963-0F36-48FC-991E-AA63861DA924}" type="datetimeFigureOut">
               <a:rPr lang="en-US" smtClean="0"/>
-              <a:t>10/19/2022</a:t>
+              <a:t>10/25/2022</a:t>
             </a:fld>
             <a:endParaRPr lang="en-US"/>
           </a:p>
@@ -8094,7 +8094,7 @@
           <a:p>
             <a:fld id="{93C8B963-0F36-48FC-991E-AA63861DA924}" type="datetimeFigureOut">
               <a:rPr lang="en-US" smtClean="0"/>
-              <a:t>10/19/2022</a:t>
+              <a:t>10/25/2022</a:t>
             </a:fld>
             <a:endParaRPr lang="en-US"/>
           </a:p>
@@ -8189,7 +8189,7 @@
           <a:p>
             <a:fld id="{93C8B963-0F36-48FC-991E-AA63861DA924}" type="datetimeFigureOut">
               <a:rPr lang="en-US" smtClean="0"/>
-              <a:t>10/19/2022</a:t>
+              <a:t>10/25/2022</a:t>
             </a:fld>
             <a:endParaRPr lang="en-US"/>
           </a:p>
@@ -8444,7 +8444,7 @@
           <a:p>
             <a:fld id="{93C8B963-0F36-48FC-991E-AA63861DA924}" type="datetimeFigureOut">
               <a:rPr lang="en-US" smtClean="0"/>
-              <a:t>10/19/2022</a:t>
+              <a:t>10/25/2022</a:t>
             </a:fld>
             <a:endParaRPr lang="en-US"/>
           </a:p>
@@ -8744,7 +8744,7 @@
           <a:p>
             <a:fld id="{93C8B963-0F36-48FC-991E-AA63861DA924}" type="datetimeFigureOut">
               <a:rPr lang="en-US" smtClean="0"/>
-              <a:t>10/19/2022</a:t>
+              <a:t>10/25/2022</a:t>
             </a:fld>
             <a:endParaRPr lang="en-US"/>
           </a:p>
@@ -8978,7 +8978,7 @@
           <a:p>
             <a:fld id="{93C8B963-0F36-48FC-991E-AA63861DA924}" type="datetimeFigureOut">
               <a:rPr lang="en-US" smtClean="0"/>
-              <a:t>10/19/2022</a:t>
+              <a:t>10/25/2022</a:t>
             </a:fld>
             <a:endParaRPr lang="en-US"/>
           </a:p>
@@ -11862,7 +11862,7 @@
         <p:spPr>
           <a:xfrm>
             <a:off x="771786" y="1126033"/>
-            <a:ext cx="10695963" cy="3108543"/>
+            <a:ext cx="10695963" cy="3970318"/>
           </a:xfrm>
           <a:prstGeom prst="rect">
             <a:avLst/>
@@ -11900,6 +11900,26 @@
               </a:rPr>
               <a:t>Is there a difference? </a:t>
             </a:r>
+          </a:p>
+          <a:p>
+            <a:pPr marL="457200" indent="-457200">
+              <a:buSzPct val="100000"/>
+              <a:buFont typeface="Arial" panose="020B0604020202020204" pitchFamily="34" charset="0"/>
+              <a:buChar char="•"/>
+            </a:pPr>
+            <a:r>
+              <a:rPr lang="en-US" sz="2800">
+                <a:ea typeface="Gill Sans MT"/>
+                <a:cs typeface="Gill Sans MT"/>
+                <a:sym typeface="Gill Sans MT"/>
+              </a:rPr>
+              <a:t>Generally give attention to direction, magnitude and significance of differences.</a:t>
+            </a:r>
+            <a:endParaRPr lang="en-US" sz="2800" dirty="0">
+              <a:ea typeface="Gill Sans MT"/>
+              <a:cs typeface="Gill Sans MT"/>
+              <a:sym typeface="Gill Sans MT"/>
+            </a:endParaRPr>
           </a:p>
           <a:p>
             <a:pPr>
@@ -12117,427 +12137,6 @@
 </file>
 
 <file path=ppt/slides/slide3.xml><?xml version="1.0" encoding="utf-8"?>
-<p:sld xmlns:a="http://schemas.openxmlformats.org/drawingml/2006/main" xmlns:r="http://schemas.openxmlformats.org/officeDocument/2006/relationships" xmlns:p="http://schemas.openxmlformats.org/presentationml/2006/main">
-  <p:cSld>
-    <p:spTree>
-      <p:nvGrpSpPr>
-        <p:cNvPr id="1" name="Shape 100"/>
-        <p:cNvGrpSpPr/>
-        <p:nvPr/>
-      </p:nvGrpSpPr>
-      <p:grpSpPr>
-        <a:xfrm>
-          <a:off x="0" y="0"/>
-          <a:ext cx="0" cy="0"/>
-          <a:chOff x="0" y="0"/>
-          <a:chExt cx="0" cy="0"/>
-        </a:xfrm>
-      </p:grpSpPr>
-      <p:sp>
-        <p:nvSpPr>
-          <p:cNvPr id="101" name="Shape 101"/>
-          <p:cNvSpPr txBox="1"/>
-          <p:nvPr/>
-        </p:nvSpPr>
-        <p:spPr>
-          <a:xfrm>
-            <a:off x="536895" y="253767"/>
-            <a:ext cx="10695963" cy="584700"/>
-          </a:xfrm>
-          <a:prstGeom prst="rect">
-            <a:avLst/>
-          </a:prstGeom>
-          <a:noFill/>
-          <a:ln>
-            <a:noFill/>
-          </a:ln>
-        </p:spPr>
-        <p:txBody>
-          <a:bodyPr lIns="91425" tIns="45700" rIns="91425" bIns="45700" anchor="t" anchorCtr="0">
-            <a:noAutofit/>
-          </a:bodyPr>
-          <a:lstStyle/>
-          <a:p>
-            <a:pPr>
-              <a:buSzPct val="25000"/>
-            </a:pPr>
-            <a:r>
-              <a:rPr lang="en-US" sz="4000" b="1" dirty="0">
-                <a:latin typeface="+mj-lt"/>
-                <a:ea typeface="Gill Sans MT"/>
-                <a:cs typeface="Gill Sans MT"/>
-                <a:sym typeface="Gill Sans MT"/>
-              </a:rPr>
-              <a:t>Principle 2: Picking simple, plausible examples</a:t>
-            </a:r>
-          </a:p>
-        </p:txBody>
-      </p:sp>
-      <p:sp>
-        <p:nvSpPr>
-          <p:cNvPr id="5" name="TextBox 4">
-            <a:extLst>
-              <a:ext uri="{FF2B5EF4-FFF2-40B4-BE49-F238E27FC236}">
-                <a16:creationId xmlns:a16="http://schemas.microsoft.com/office/drawing/2014/main" id="{801C265D-0E8B-4619-B9E7-19FA2F3CD80C}"/>
-              </a:ext>
-            </a:extLst>
-          </p:cNvPr>
-          <p:cNvSpPr txBox="1"/>
-          <p:nvPr/>
-        </p:nvSpPr>
-        <p:spPr>
-          <a:xfrm>
-            <a:off x="536896" y="1342239"/>
-            <a:ext cx="11239210" cy="3970318"/>
-          </a:xfrm>
-          <a:prstGeom prst="rect">
-            <a:avLst/>
-          </a:prstGeom>
-          <a:noFill/>
-        </p:spPr>
-        <p:txBody>
-          <a:bodyPr wrap="square" rtlCol="0">
-            <a:spAutoFit/>
-          </a:bodyPr>
-          <a:lstStyle/>
-          <a:p>
-            <a:r>
-              <a:rPr lang="en-US" sz="2800" b="1" dirty="0"/>
-              <a:t>Bad: </a:t>
-            </a:r>
-            <a:r>
-              <a:rPr lang="en-US" sz="2800" dirty="0"/>
-              <a:t>“In 2001, the average temperature in the New York City area was 56.3 degrees Fahrenheit.”</a:t>
-            </a:r>
-          </a:p>
-          <a:p>
-            <a:endParaRPr lang="en-US" sz="2800" b="1" dirty="0"/>
-          </a:p>
-          <a:p>
-            <a:r>
-              <a:rPr lang="en-US" sz="2800" b="1" dirty="0"/>
-              <a:t>Better: </a:t>
-            </a:r>
-            <a:r>
-              <a:rPr lang="en-US" sz="2800" dirty="0"/>
-              <a:t>“In 2001, the average temperature in the New York City area was 56.3 degrees Fahrenheit, 1.5 degrees above normal.”</a:t>
-            </a:r>
-          </a:p>
-          <a:p>
-            <a:endParaRPr lang="en-US" sz="2800" dirty="0"/>
-          </a:p>
-          <a:p>
-            <a:r>
-              <a:rPr lang="en-US" sz="2800" b="1" dirty="0"/>
-              <a:t>Best: </a:t>
-            </a:r>
-            <a:r>
-              <a:rPr lang="en-US" sz="2800" dirty="0"/>
-              <a:t>“In 2001, the average temperature in the New York City area was 56.3 degrees Fahrenheit, 1.5 degrees above normal, making it the seventh warmest year on record for the area.”</a:t>
-            </a:r>
-            <a:endParaRPr lang="en-US" sz="2800" b="1" dirty="0"/>
-          </a:p>
-        </p:txBody>
-      </p:sp>
-    </p:spTree>
-    <p:extLst>
-      <p:ext uri="{BB962C8B-B14F-4D97-AF65-F5344CB8AC3E}">
-        <p14:creationId xmlns:p14="http://schemas.microsoft.com/office/powerpoint/2010/main" val="979074729"/>
-      </p:ext>
-    </p:extLst>
-  </p:cSld>
-  <p:clrMapOvr>
-    <a:masterClrMapping/>
-  </p:clrMapOvr>
-</p:sld>
-</file>
-
-<file path=ppt/slides/slide4.xml><?xml version="1.0" encoding="utf-8"?>
-<p:sld xmlns:a="http://schemas.openxmlformats.org/drawingml/2006/main" xmlns:r="http://schemas.openxmlformats.org/officeDocument/2006/relationships" xmlns:p="http://schemas.openxmlformats.org/presentationml/2006/main">
-  <p:cSld>
-    <p:spTree>
-      <p:nvGrpSpPr>
-        <p:cNvPr id="1" name="Shape 100"/>
-        <p:cNvGrpSpPr/>
-        <p:nvPr/>
-      </p:nvGrpSpPr>
-      <p:grpSpPr>
-        <a:xfrm>
-          <a:off x="0" y="0"/>
-          <a:ext cx="0" cy="0"/>
-          <a:chOff x="0" y="0"/>
-          <a:chExt cx="0" cy="0"/>
-        </a:xfrm>
-      </p:grpSpPr>
-      <p:sp>
-        <p:nvSpPr>
-          <p:cNvPr id="101" name="Shape 101"/>
-          <p:cNvSpPr txBox="1"/>
-          <p:nvPr/>
-        </p:nvSpPr>
-        <p:spPr>
-          <a:xfrm>
-            <a:off x="536895" y="253767"/>
-            <a:ext cx="10695963" cy="584700"/>
-          </a:xfrm>
-          <a:prstGeom prst="rect">
-            <a:avLst/>
-          </a:prstGeom>
-          <a:noFill/>
-          <a:ln>
-            <a:noFill/>
-          </a:ln>
-        </p:spPr>
-        <p:txBody>
-          <a:bodyPr lIns="91425" tIns="45700" rIns="91425" bIns="45700" anchor="t" anchorCtr="0">
-            <a:noAutofit/>
-          </a:bodyPr>
-          <a:lstStyle/>
-          <a:p>
-            <a:pPr>
-              <a:buSzPct val="25000"/>
-            </a:pPr>
-            <a:r>
-              <a:rPr lang="en-US" sz="4000" b="1" dirty="0">
-                <a:latin typeface="+mj-lt"/>
-                <a:ea typeface="Gill Sans MT"/>
-                <a:cs typeface="Gill Sans MT"/>
-                <a:sym typeface="Gill Sans MT"/>
-              </a:rPr>
-              <a:t>Principle </a:t>
-            </a:r>
-            <a:r>
-              <a:rPr lang="en-US" sz="4000" b="1" dirty="0">
-                <a:ea typeface="Gill Sans MT"/>
-                <a:cs typeface="Gill Sans MT"/>
-                <a:sym typeface="Gill Sans MT"/>
-              </a:rPr>
-              <a:t>3: Defining &amp; interpreting your terms</a:t>
-            </a:r>
-            <a:endParaRPr lang="en-US" sz="4000" b="1" dirty="0">
-              <a:latin typeface="+mj-lt"/>
-              <a:ea typeface="Gill Sans MT"/>
-              <a:cs typeface="Gill Sans MT"/>
-              <a:sym typeface="Gill Sans MT"/>
-            </a:endParaRPr>
-          </a:p>
-        </p:txBody>
-      </p:sp>
-      <p:sp>
-        <p:nvSpPr>
-          <p:cNvPr id="5" name="TextBox 4">
-            <a:extLst>
-              <a:ext uri="{FF2B5EF4-FFF2-40B4-BE49-F238E27FC236}">
-                <a16:creationId xmlns:a16="http://schemas.microsoft.com/office/drawing/2014/main" id="{801C265D-0E8B-4619-B9E7-19FA2F3CD80C}"/>
-              </a:ext>
-            </a:extLst>
-          </p:cNvPr>
-          <p:cNvSpPr txBox="1"/>
-          <p:nvPr/>
-        </p:nvSpPr>
-        <p:spPr>
-          <a:xfrm>
-            <a:off x="536896" y="1342239"/>
-            <a:ext cx="11239210" cy="4893647"/>
-          </a:xfrm>
-          <a:prstGeom prst="rect">
-            <a:avLst/>
-          </a:prstGeom>
-          <a:noFill/>
-        </p:spPr>
-        <p:txBody>
-          <a:bodyPr wrap="square" rtlCol="0">
-            <a:spAutoFit/>
-          </a:bodyPr>
-          <a:lstStyle/>
-          <a:p>
-            <a:r>
-              <a:rPr lang="en-US" sz="2400" dirty="0"/>
-              <a:t>“Those who are not familiar with your topic are unlikely to know which comparisons to make or to have the information for those comparisons immediately at hand. To help them grasp the meaning of the numbers you report, provide the relevant data and explain the comparisons.”</a:t>
-            </a:r>
-          </a:p>
-          <a:p>
-            <a:endParaRPr lang="en-US" sz="2400" b="1" dirty="0"/>
-          </a:p>
-          <a:p>
-            <a:r>
-              <a:rPr lang="en-US" sz="2400" b="1" dirty="0"/>
-              <a:t>Bad: </a:t>
-            </a:r>
-            <a:r>
-              <a:rPr lang="en-US" sz="2400" dirty="0"/>
-              <a:t>“In 2011, total expenditures on health care in the United States were estimated to be more than $2.7 trillion (Centers for Medicare and Medicaid Services 2013).”</a:t>
-            </a:r>
-          </a:p>
-          <a:p>
-            <a:endParaRPr lang="en-US" sz="2400" dirty="0"/>
-          </a:p>
-          <a:p>
-            <a:r>
-              <a:rPr lang="en-US" sz="2400" b="1" dirty="0"/>
-              <a:t>Best: </a:t>
-            </a:r>
-            <a:r>
-              <a:rPr lang="en-US" sz="2400" dirty="0"/>
-              <a:t>“Between 2000 and 2011, the total costs of health care in the United States nearly doubled, from $1,377 billion to $2,693 billion (Centers for Medicare and Medicaid Services 2013; table 1). Over that same period, the share of gross domestic product (GDP) spent for health care increased from 13.7% to 17.7% (</a:t>
-            </a:r>
-            <a:r>
-              <a:rPr lang="en-US" sz="2400" dirty="0" err="1"/>
-              <a:t>Organisation</a:t>
-            </a:r>
-            <a:r>
-              <a:rPr lang="en-US" sz="2400" dirty="0"/>
-              <a:t> for Economic Cooperation and Development [OECD]2013, figure 7.2.2).”</a:t>
-            </a:r>
-            <a:endParaRPr lang="en-US" sz="2400" b="1" dirty="0"/>
-          </a:p>
-        </p:txBody>
-      </p:sp>
-    </p:spTree>
-    <p:extLst>
-      <p:ext uri="{BB962C8B-B14F-4D97-AF65-F5344CB8AC3E}">
-        <p14:creationId xmlns:p14="http://schemas.microsoft.com/office/powerpoint/2010/main" val="3360087612"/>
-      </p:ext>
-    </p:extLst>
-  </p:cSld>
-  <p:clrMapOvr>
-    <a:masterClrMapping/>
-  </p:clrMapOvr>
-</p:sld>
-</file>
-
-<file path=ppt/slides/slide5.xml><?xml version="1.0" encoding="utf-8"?>
-<p:sld xmlns:a="http://schemas.openxmlformats.org/drawingml/2006/main" xmlns:r="http://schemas.openxmlformats.org/officeDocument/2006/relationships" xmlns:p="http://schemas.openxmlformats.org/presentationml/2006/main">
-  <p:cSld>
-    <p:spTree>
-      <p:nvGrpSpPr>
-        <p:cNvPr id="1" name="Shape 100"/>
-        <p:cNvGrpSpPr/>
-        <p:nvPr/>
-      </p:nvGrpSpPr>
-      <p:grpSpPr>
-        <a:xfrm>
-          <a:off x="0" y="0"/>
-          <a:ext cx="0" cy="0"/>
-          <a:chOff x="0" y="0"/>
-          <a:chExt cx="0" cy="0"/>
-        </a:xfrm>
-      </p:grpSpPr>
-      <p:sp>
-        <p:nvSpPr>
-          <p:cNvPr id="101" name="Shape 101"/>
-          <p:cNvSpPr txBox="1"/>
-          <p:nvPr/>
-        </p:nvSpPr>
-        <p:spPr>
-          <a:xfrm>
-            <a:off x="536895" y="253767"/>
-            <a:ext cx="10695963" cy="584700"/>
-          </a:xfrm>
-          <a:prstGeom prst="rect">
-            <a:avLst/>
-          </a:prstGeom>
-          <a:noFill/>
-          <a:ln>
-            <a:noFill/>
-          </a:ln>
-        </p:spPr>
-        <p:txBody>
-          <a:bodyPr lIns="91425" tIns="45700" rIns="91425" bIns="45700" anchor="t" anchorCtr="0">
-            <a:noAutofit/>
-          </a:bodyPr>
-          <a:lstStyle/>
-          <a:p>
-            <a:pPr>
-              <a:buSzPct val="25000"/>
-            </a:pPr>
-            <a:r>
-              <a:rPr lang="en-US" sz="4000" b="1" dirty="0">
-                <a:latin typeface="+mj-lt"/>
-                <a:ea typeface="Gill Sans MT"/>
-                <a:cs typeface="Gill Sans MT"/>
-                <a:sym typeface="Gill Sans MT"/>
-              </a:rPr>
-              <a:t>Principle 7: Summarizing patterns</a:t>
-            </a:r>
-          </a:p>
-        </p:txBody>
-      </p:sp>
-      <p:sp>
-        <p:nvSpPr>
-          <p:cNvPr id="5" name="TextBox 4">
-            <a:extLst>
-              <a:ext uri="{FF2B5EF4-FFF2-40B4-BE49-F238E27FC236}">
-                <a16:creationId xmlns:a16="http://schemas.microsoft.com/office/drawing/2014/main" id="{801C265D-0E8B-4619-B9E7-19FA2F3CD80C}"/>
-              </a:ext>
-            </a:extLst>
-          </p:cNvPr>
-          <p:cNvSpPr txBox="1"/>
-          <p:nvPr/>
-        </p:nvSpPr>
-        <p:spPr>
-          <a:xfrm>
-            <a:off x="536896" y="1342239"/>
-            <a:ext cx="11239210" cy="5262979"/>
-          </a:xfrm>
-          <a:prstGeom prst="rect">
-            <a:avLst/>
-          </a:prstGeom>
-          <a:noFill/>
-        </p:spPr>
-        <p:txBody>
-          <a:bodyPr wrap="square" rtlCol="0">
-            <a:spAutoFit/>
-          </a:bodyPr>
-          <a:lstStyle/>
-          <a:p>
-            <a:r>
-              <a:rPr lang="en-US" sz="2400" dirty="0"/>
-              <a:t>“However, if you provide only a table or chart, you leave it to your readers to figure out for themselves what that evidence says. Instead, digest the patterns to help readers see the general relationship in the table or chart.”</a:t>
-            </a:r>
-          </a:p>
-          <a:p>
-            <a:endParaRPr lang="en-US" sz="2400" b="1" dirty="0"/>
-          </a:p>
-          <a:p>
-            <a:r>
-              <a:rPr lang="en-US" sz="2400" b="1" dirty="0"/>
-              <a:t>Example</a:t>
-            </a:r>
-            <a:r>
-              <a:rPr lang="en-US" sz="2400" dirty="0"/>
-              <a:t>: “As shown in figure 2.1, the median price of a new single-family home followed a general upward trend in each of the four major census regions between 1980 and 2000. This trend was interrupted by a leveling off or even a decline in prices around 1990, after which prices resumed their upward trajectory. Throughout most of the period shown, the highest housing prices were found in the Northeast, followed by the West, Midwest, and South (US Census Bureau 2001a).”</a:t>
-            </a:r>
-          </a:p>
-          <a:p>
-            <a:endParaRPr lang="en-US" sz="2400" dirty="0"/>
-          </a:p>
-          <a:p>
-            <a:r>
-              <a:rPr lang="en-US" sz="2400" b="1" dirty="0"/>
-              <a:t>Note exceptions: </a:t>
-            </a:r>
-            <a:r>
-              <a:rPr lang="en-US" sz="2400" dirty="0"/>
-              <a:t>“In three of the four regions, housing prices rose throughout the 1980s. In the South, however, housing prices did not begin to rise until 1990, after which they rose at approximately the same rate as in each of the other regions.”</a:t>
-            </a:r>
-          </a:p>
-        </p:txBody>
-      </p:sp>
-    </p:spTree>
-    <p:extLst>
-      <p:ext uri="{BB962C8B-B14F-4D97-AF65-F5344CB8AC3E}">
-        <p14:creationId xmlns:p14="http://schemas.microsoft.com/office/powerpoint/2010/main" val="1627610128"/>
-      </p:ext>
-    </p:extLst>
-  </p:cSld>
-  <p:clrMapOvr>
-    <a:masterClrMapping/>
-  </p:clrMapOvr>
-</p:sld>
-</file>
-
-<file path=ppt/slides/slide6.xml><?xml version="1.0" encoding="utf-8"?>
 <p:sld xmlns:a="http://schemas.openxmlformats.org/drawingml/2006/main" xmlns:r="http://schemas.openxmlformats.org/officeDocument/2006/relationships" xmlns:p="http://schemas.openxmlformats.org/presentationml/2006/main">
   <p:cSld>
     <p:spTree>
@@ -12616,6 +12215,427 @@
     <p:extLst>
       <p:ext uri="{BB962C8B-B14F-4D97-AF65-F5344CB8AC3E}">
         <p14:creationId xmlns:p14="http://schemas.microsoft.com/office/powerpoint/2010/main" val="651318036"/>
+      </p:ext>
+    </p:extLst>
+  </p:cSld>
+  <p:clrMapOvr>
+    <a:masterClrMapping/>
+  </p:clrMapOvr>
+</p:sld>
+</file>
+
+<file path=ppt/slides/slide4.xml><?xml version="1.0" encoding="utf-8"?>
+<p:sld xmlns:a="http://schemas.openxmlformats.org/drawingml/2006/main" xmlns:r="http://schemas.openxmlformats.org/officeDocument/2006/relationships" xmlns:p="http://schemas.openxmlformats.org/presentationml/2006/main">
+  <p:cSld>
+    <p:spTree>
+      <p:nvGrpSpPr>
+        <p:cNvPr id="1" name="Shape 100"/>
+        <p:cNvGrpSpPr/>
+        <p:nvPr/>
+      </p:nvGrpSpPr>
+      <p:grpSpPr>
+        <a:xfrm>
+          <a:off x="0" y="0"/>
+          <a:ext cx="0" cy="0"/>
+          <a:chOff x="0" y="0"/>
+          <a:chExt cx="0" cy="0"/>
+        </a:xfrm>
+      </p:grpSpPr>
+      <p:sp>
+        <p:nvSpPr>
+          <p:cNvPr id="101" name="Shape 101"/>
+          <p:cNvSpPr txBox="1"/>
+          <p:nvPr/>
+        </p:nvSpPr>
+        <p:spPr>
+          <a:xfrm>
+            <a:off x="536895" y="253767"/>
+            <a:ext cx="10695963" cy="584700"/>
+          </a:xfrm>
+          <a:prstGeom prst="rect">
+            <a:avLst/>
+          </a:prstGeom>
+          <a:noFill/>
+          <a:ln>
+            <a:noFill/>
+          </a:ln>
+        </p:spPr>
+        <p:txBody>
+          <a:bodyPr lIns="91425" tIns="45700" rIns="91425" bIns="45700" anchor="t" anchorCtr="0">
+            <a:noAutofit/>
+          </a:bodyPr>
+          <a:lstStyle/>
+          <a:p>
+            <a:pPr>
+              <a:buSzPct val="25000"/>
+            </a:pPr>
+            <a:r>
+              <a:rPr lang="en-US" sz="4000" b="1" dirty="0">
+                <a:latin typeface="+mj-lt"/>
+                <a:ea typeface="Gill Sans MT"/>
+                <a:cs typeface="Gill Sans MT"/>
+                <a:sym typeface="Gill Sans MT"/>
+              </a:rPr>
+              <a:t>Principle 2: Picking simple, plausible examples</a:t>
+            </a:r>
+          </a:p>
+        </p:txBody>
+      </p:sp>
+      <p:sp>
+        <p:nvSpPr>
+          <p:cNvPr id="5" name="TextBox 4">
+            <a:extLst>
+              <a:ext uri="{FF2B5EF4-FFF2-40B4-BE49-F238E27FC236}">
+                <a16:creationId xmlns:a16="http://schemas.microsoft.com/office/drawing/2014/main" id="{801C265D-0E8B-4619-B9E7-19FA2F3CD80C}"/>
+              </a:ext>
+            </a:extLst>
+          </p:cNvPr>
+          <p:cNvSpPr txBox="1"/>
+          <p:nvPr/>
+        </p:nvSpPr>
+        <p:spPr>
+          <a:xfrm>
+            <a:off x="536896" y="1342239"/>
+            <a:ext cx="11239210" cy="3970318"/>
+          </a:xfrm>
+          <a:prstGeom prst="rect">
+            <a:avLst/>
+          </a:prstGeom>
+          <a:noFill/>
+        </p:spPr>
+        <p:txBody>
+          <a:bodyPr wrap="square" rtlCol="0">
+            <a:spAutoFit/>
+          </a:bodyPr>
+          <a:lstStyle/>
+          <a:p>
+            <a:r>
+              <a:rPr lang="en-US" sz="2800" b="1" dirty="0"/>
+              <a:t>Bad: </a:t>
+            </a:r>
+            <a:r>
+              <a:rPr lang="en-US" sz="2800" dirty="0"/>
+              <a:t>“In 2001, the average temperature in the New York City area was 56.3 degrees Fahrenheit.”</a:t>
+            </a:r>
+          </a:p>
+          <a:p>
+            <a:endParaRPr lang="en-US" sz="2800" b="1" dirty="0"/>
+          </a:p>
+          <a:p>
+            <a:r>
+              <a:rPr lang="en-US" sz="2800" b="1" dirty="0"/>
+              <a:t>Better: </a:t>
+            </a:r>
+            <a:r>
+              <a:rPr lang="en-US" sz="2800" dirty="0"/>
+              <a:t>“In 2001, the average temperature in the New York City area was 56.3 degrees Fahrenheit, 1.5 degrees above normal.”</a:t>
+            </a:r>
+          </a:p>
+          <a:p>
+            <a:endParaRPr lang="en-US" sz="2800" dirty="0"/>
+          </a:p>
+          <a:p>
+            <a:r>
+              <a:rPr lang="en-US" sz="2800" b="1" dirty="0"/>
+              <a:t>Best: </a:t>
+            </a:r>
+            <a:r>
+              <a:rPr lang="en-US" sz="2800" dirty="0"/>
+              <a:t>“In 2001, the average temperature in the New York City area was 56.3 degrees Fahrenheit, 1.5 degrees above normal, making it the seventh warmest year on record for the area.”</a:t>
+            </a:r>
+            <a:endParaRPr lang="en-US" sz="2800" b="1" dirty="0"/>
+          </a:p>
+        </p:txBody>
+      </p:sp>
+    </p:spTree>
+    <p:extLst>
+      <p:ext uri="{BB962C8B-B14F-4D97-AF65-F5344CB8AC3E}">
+        <p14:creationId xmlns:p14="http://schemas.microsoft.com/office/powerpoint/2010/main" val="979074729"/>
+      </p:ext>
+    </p:extLst>
+  </p:cSld>
+  <p:clrMapOvr>
+    <a:masterClrMapping/>
+  </p:clrMapOvr>
+</p:sld>
+</file>
+
+<file path=ppt/slides/slide5.xml><?xml version="1.0" encoding="utf-8"?>
+<p:sld xmlns:a="http://schemas.openxmlformats.org/drawingml/2006/main" xmlns:r="http://schemas.openxmlformats.org/officeDocument/2006/relationships" xmlns:p="http://schemas.openxmlformats.org/presentationml/2006/main">
+  <p:cSld>
+    <p:spTree>
+      <p:nvGrpSpPr>
+        <p:cNvPr id="1" name="Shape 100"/>
+        <p:cNvGrpSpPr/>
+        <p:nvPr/>
+      </p:nvGrpSpPr>
+      <p:grpSpPr>
+        <a:xfrm>
+          <a:off x="0" y="0"/>
+          <a:ext cx="0" cy="0"/>
+          <a:chOff x="0" y="0"/>
+          <a:chExt cx="0" cy="0"/>
+        </a:xfrm>
+      </p:grpSpPr>
+      <p:sp>
+        <p:nvSpPr>
+          <p:cNvPr id="101" name="Shape 101"/>
+          <p:cNvSpPr txBox="1"/>
+          <p:nvPr/>
+        </p:nvSpPr>
+        <p:spPr>
+          <a:xfrm>
+            <a:off x="536895" y="253767"/>
+            <a:ext cx="10695963" cy="584700"/>
+          </a:xfrm>
+          <a:prstGeom prst="rect">
+            <a:avLst/>
+          </a:prstGeom>
+          <a:noFill/>
+          <a:ln>
+            <a:noFill/>
+          </a:ln>
+        </p:spPr>
+        <p:txBody>
+          <a:bodyPr lIns="91425" tIns="45700" rIns="91425" bIns="45700" anchor="t" anchorCtr="0">
+            <a:noAutofit/>
+          </a:bodyPr>
+          <a:lstStyle/>
+          <a:p>
+            <a:pPr>
+              <a:buSzPct val="25000"/>
+            </a:pPr>
+            <a:r>
+              <a:rPr lang="en-US" sz="4000" b="1" dirty="0">
+                <a:latin typeface="+mj-lt"/>
+                <a:ea typeface="Gill Sans MT"/>
+                <a:cs typeface="Gill Sans MT"/>
+                <a:sym typeface="Gill Sans MT"/>
+              </a:rPr>
+              <a:t>Principle </a:t>
+            </a:r>
+            <a:r>
+              <a:rPr lang="en-US" sz="4000" b="1" dirty="0">
+                <a:ea typeface="Gill Sans MT"/>
+                <a:cs typeface="Gill Sans MT"/>
+                <a:sym typeface="Gill Sans MT"/>
+              </a:rPr>
+              <a:t>3: Defining &amp; interpreting your terms</a:t>
+            </a:r>
+            <a:endParaRPr lang="en-US" sz="4000" b="1" dirty="0">
+              <a:latin typeface="+mj-lt"/>
+              <a:ea typeface="Gill Sans MT"/>
+              <a:cs typeface="Gill Sans MT"/>
+              <a:sym typeface="Gill Sans MT"/>
+            </a:endParaRPr>
+          </a:p>
+        </p:txBody>
+      </p:sp>
+      <p:sp>
+        <p:nvSpPr>
+          <p:cNvPr id="5" name="TextBox 4">
+            <a:extLst>
+              <a:ext uri="{FF2B5EF4-FFF2-40B4-BE49-F238E27FC236}">
+                <a16:creationId xmlns:a16="http://schemas.microsoft.com/office/drawing/2014/main" id="{801C265D-0E8B-4619-B9E7-19FA2F3CD80C}"/>
+              </a:ext>
+            </a:extLst>
+          </p:cNvPr>
+          <p:cNvSpPr txBox="1"/>
+          <p:nvPr/>
+        </p:nvSpPr>
+        <p:spPr>
+          <a:xfrm>
+            <a:off x="536896" y="1342239"/>
+            <a:ext cx="11239210" cy="4893647"/>
+          </a:xfrm>
+          <a:prstGeom prst="rect">
+            <a:avLst/>
+          </a:prstGeom>
+          <a:noFill/>
+        </p:spPr>
+        <p:txBody>
+          <a:bodyPr wrap="square" rtlCol="0">
+            <a:spAutoFit/>
+          </a:bodyPr>
+          <a:lstStyle/>
+          <a:p>
+            <a:r>
+              <a:rPr lang="en-US" sz="2400" dirty="0"/>
+              <a:t>“Those who are not familiar with your topic are unlikely to know which comparisons to make or to have the information for those comparisons immediately at hand. To help them grasp the meaning of the numbers you report, provide the relevant data and explain the comparisons.”</a:t>
+            </a:r>
+          </a:p>
+          <a:p>
+            <a:endParaRPr lang="en-US" sz="2400" b="1" dirty="0"/>
+          </a:p>
+          <a:p>
+            <a:r>
+              <a:rPr lang="en-US" sz="2400" b="1" dirty="0"/>
+              <a:t>Bad: </a:t>
+            </a:r>
+            <a:r>
+              <a:rPr lang="en-US" sz="2400" dirty="0"/>
+              <a:t>“In 2011, total expenditures on health care in the United States were estimated to be more than $2.7 trillion (Centers for Medicare and Medicaid Services 2013).”</a:t>
+            </a:r>
+          </a:p>
+          <a:p>
+            <a:endParaRPr lang="en-US" sz="2400" dirty="0"/>
+          </a:p>
+          <a:p>
+            <a:r>
+              <a:rPr lang="en-US" sz="2400" b="1" dirty="0"/>
+              <a:t>Best: </a:t>
+            </a:r>
+            <a:r>
+              <a:rPr lang="en-US" sz="2400" dirty="0"/>
+              <a:t>“Between 2000 and 2011, the total costs of health care in the United States nearly doubled, from $1,377 billion to $2,693 billion (Centers for Medicare and Medicaid Services 2013; table 1). Over that same period, the share of gross domestic product (GDP) spent for health care increased from 13.7% to 17.7% (</a:t>
+            </a:r>
+            <a:r>
+              <a:rPr lang="en-US" sz="2400" dirty="0" err="1"/>
+              <a:t>Organisation</a:t>
+            </a:r>
+            <a:r>
+              <a:rPr lang="en-US" sz="2400" dirty="0"/>
+              <a:t> for Economic Cooperation and Development [OECD]2013, figure 7.2.2).”</a:t>
+            </a:r>
+            <a:endParaRPr lang="en-US" sz="2400" b="1" dirty="0"/>
+          </a:p>
+        </p:txBody>
+      </p:sp>
+    </p:spTree>
+    <p:extLst>
+      <p:ext uri="{BB962C8B-B14F-4D97-AF65-F5344CB8AC3E}">
+        <p14:creationId xmlns:p14="http://schemas.microsoft.com/office/powerpoint/2010/main" val="3360087612"/>
+      </p:ext>
+    </p:extLst>
+  </p:cSld>
+  <p:clrMapOvr>
+    <a:masterClrMapping/>
+  </p:clrMapOvr>
+</p:sld>
+</file>
+
+<file path=ppt/slides/slide6.xml><?xml version="1.0" encoding="utf-8"?>
+<p:sld xmlns:a="http://schemas.openxmlformats.org/drawingml/2006/main" xmlns:r="http://schemas.openxmlformats.org/officeDocument/2006/relationships" xmlns:p="http://schemas.openxmlformats.org/presentationml/2006/main">
+  <p:cSld>
+    <p:spTree>
+      <p:nvGrpSpPr>
+        <p:cNvPr id="1" name="Shape 100"/>
+        <p:cNvGrpSpPr/>
+        <p:nvPr/>
+      </p:nvGrpSpPr>
+      <p:grpSpPr>
+        <a:xfrm>
+          <a:off x="0" y="0"/>
+          <a:ext cx="0" cy="0"/>
+          <a:chOff x="0" y="0"/>
+          <a:chExt cx="0" cy="0"/>
+        </a:xfrm>
+      </p:grpSpPr>
+      <p:sp>
+        <p:nvSpPr>
+          <p:cNvPr id="101" name="Shape 101"/>
+          <p:cNvSpPr txBox="1"/>
+          <p:nvPr/>
+        </p:nvSpPr>
+        <p:spPr>
+          <a:xfrm>
+            <a:off x="536895" y="253767"/>
+            <a:ext cx="10695963" cy="584700"/>
+          </a:xfrm>
+          <a:prstGeom prst="rect">
+            <a:avLst/>
+          </a:prstGeom>
+          <a:noFill/>
+          <a:ln>
+            <a:noFill/>
+          </a:ln>
+        </p:spPr>
+        <p:txBody>
+          <a:bodyPr lIns="91425" tIns="45700" rIns="91425" bIns="45700" anchor="t" anchorCtr="0">
+            <a:noAutofit/>
+          </a:bodyPr>
+          <a:lstStyle/>
+          <a:p>
+            <a:pPr>
+              <a:buSzPct val="25000"/>
+            </a:pPr>
+            <a:r>
+              <a:rPr lang="en-US" sz="4000" b="1" dirty="0">
+                <a:latin typeface="+mj-lt"/>
+                <a:ea typeface="Gill Sans MT"/>
+                <a:cs typeface="Gill Sans MT"/>
+                <a:sym typeface="Gill Sans MT"/>
+              </a:rPr>
+              <a:t>Principle 7: Summarizing patterns</a:t>
+            </a:r>
+          </a:p>
+        </p:txBody>
+      </p:sp>
+      <p:sp>
+        <p:nvSpPr>
+          <p:cNvPr id="5" name="TextBox 4">
+            <a:extLst>
+              <a:ext uri="{FF2B5EF4-FFF2-40B4-BE49-F238E27FC236}">
+                <a16:creationId xmlns:a16="http://schemas.microsoft.com/office/drawing/2014/main" id="{801C265D-0E8B-4619-B9E7-19FA2F3CD80C}"/>
+              </a:ext>
+            </a:extLst>
+          </p:cNvPr>
+          <p:cNvSpPr txBox="1"/>
+          <p:nvPr/>
+        </p:nvSpPr>
+        <p:spPr>
+          <a:xfrm>
+            <a:off x="536896" y="1342239"/>
+            <a:ext cx="11239210" cy="5262979"/>
+          </a:xfrm>
+          <a:prstGeom prst="rect">
+            <a:avLst/>
+          </a:prstGeom>
+          <a:noFill/>
+        </p:spPr>
+        <p:txBody>
+          <a:bodyPr wrap="square" rtlCol="0">
+            <a:spAutoFit/>
+          </a:bodyPr>
+          <a:lstStyle/>
+          <a:p>
+            <a:r>
+              <a:rPr lang="en-US" sz="2400" dirty="0"/>
+              <a:t>“However, if you provide only a table or chart, you leave it to your readers to figure out for themselves what that evidence says. Instead, digest the patterns to help readers see the general relationship in the table or chart.”</a:t>
+            </a:r>
+          </a:p>
+          <a:p>
+            <a:endParaRPr lang="en-US" sz="2400" b="1" dirty="0"/>
+          </a:p>
+          <a:p>
+            <a:r>
+              <a:rPr lang="en-US" sz="2400" b="1" dirty="0"/>
+              <a:t>Example</a:t>
+            </a:r>
+            <a:r>
+              <a:rPr lang="en-US" sz="2400" dirty="0"/>
+              <a:t>: “As shown in figure 2.1, the median price of a new single-family home followed a general upward trend in each of the four major census regions between 1980 and 2000. This trend was interrupted by a leveling off or even a decline in prices around 1990, after which prices resumed their upward trajectory. Throughout most of the period shown, the highest housing prices were found in the Northeast, followed by the West, Midwest, and South (US Census Bureau 2001a).”</a:t>
+            </a:r>
+          </a:p>
+          <a:p>
+            <a:endParaRPr lang="en-US" sz="2400" dirty="0"/>
+          </a:p>
+          <a:p>
+            <a:r>
+              <a:rPr lang="en-US" sz="2400" b="1" dirty="0"/>
+              <a:t>Note exceptions: </a:t>
+            </a:r>
+            <a:r>
+              <a:rPr lang="en-US" sz="2400" dirty="0"/>
+              <a:t>“In three of the four regions, housing prices rose throughout the 1980s. In the South, however, housing prices did not begin to rise until 1990, after which they rose at approximately the same rate as in each of the other regions.”</a:t>
+            </a:r>
+          </a:p>
+        </p:txBody>
+      </p:sp>
+    </p:spTree>
+    <p:extLst>
+      <p:ext uri="{BB962C8B-B14F-4D97-AF65-F5344CB8AC3E}">
+        <p14:creationId xmlns:p14="http://schemas.microsoft.com/office/powerpoint/2010/main" val="1627610128"/>
       </p:ext>
     </p:extLst>
   </p:cSld>
